--- a/Project Presentation.pptx
+++ b/Project Presentation.pptx
@@ -11,9 +11,11 @@
     <p:sldId id="259" r:id="rId5"/>
     <p:sldId id="260" r:id="rId6"/>
     <p:sldId id="261" r:id="rId7"/>
-    <p:sldId id="262" r:id="rId8"/>
-    <p:sldId id="263" r:id="rId9"/>
-    <p:sldId id="264" r:id="rId10"/>
+    <p:sldId id="263" r:id="rId8"/>
+    <p:sldId id="264" r:id="rId9"/>
+    <p:sldId id="265" r:id="rId10"/>
+    <p:sldId id="266" r:id="rId11"/>
+    <p:sldId id="267" r:id="rId12"/>
   </p:sldIdLst>
   <p:sldSz cx="12192000" cy="6858000"/>
   <p:notesSz cx="6858000" cy="9144000"/>
@@ -6040,6 +6042,194 @@
 </p:sld>
 </file>
 
+<file path=ppt/slides/slide10.xml><?xml version="1.0" encoding="utf-8"?>
+<p:sld xmlns:a="http://schemas.openxmlformats.org/drawingml/2006/main" xmlns:r="http://schemas.openxmlformats.org/officeDocument/2006/relationships" xmlns:p="http://schemas.openxmlformats.org/presentationml/2006/main">
+  <p:cSld>
+    <p:spTree>
+      <p:nvGrpSpPr>
+        <p:cNvPr id="1" name=""/>
+        <p:cNvGrpSpPr/>
+        <p:nvPr/>
+      </p:nvGrpSpPr>
+      <p:grpSpPr>
+        <a:xfrm>
+          <a:off x="0" y="0"/>
+          <a:ext cx="0" cy="0"/>
+          <a:chOff x="0" y="0"/>
+          <a:chExt cx="0" cy="0"/>
+        </a:xfrm>
+      </p:grpSpPr>
+      <p:sp>
+        <p:nvSpPr>
+          <p:cNvPr id="4" name="Title 3"/>
+          <p:cNvSpPr>
+            <a:spLocks noGrp="1"/>
+          </p:cNvSpPr>
+          <p:nvPr>
+            <p:ph type="title"/>
+          </p:nvPr>
+        </p:nvSpPr>
+        <p:spPr/>
+        <p:txBody>
+          <a:bodyPr anchor="ctr"/>
+          <a:lstStyle/>
+          <a:p>
+            <a:pPr algn="ctr"/>
+            <a:r>
+              <a:rPr lang="en-US" dirty="0" err="1" smtClean="0"/>
+              <a:t>DeweyDecimal</a:t>
+            </a:r>
+            <a:r>
+              <a:rPr lang="en-US" dirty="0" err="1" smtClean="0"/>
+              <a:t>Class</a:t>
+            </a:r>
+            <a:endParaRPr lang="en-US" dirty="0"/>
+          </a:p>
+        </p:txBody>
+      </p:sp>
+      <p:sp>
+        <p:nvSpPr>
+          <p:cNvPr id="5" name="Content Placeholder 4"/>
+          <p:cNvSpPr>
+            <a:spLocks noGrp="1"/>
+          </p:cNvSpPr>
+          <p:nvPr>
+            <p:ph idx="1"/>
+          </p:nvPr>
+        </p:nvSpPr>
+        <p:spPr/>
+        <p:txBody>
+          <a:bodyPr/>
+          <a:lstStyle/>
+          <a:p>
+            <a:endParaRPr lang="en-US"/>
+          </a:p>
+        </p:txBody>
+      </p:sp>
+      <p:sp>
+        <p:nvSpPr>
+          <p:cNvPr id="6" name="Text Placeholder 5"/>
+          <p:cNvSpPr>
+            <a:spLocks noGrp="1"/>
+          </p:cNvSpPr>
+          <p:nvPr>
+            <p:ph type="body" sz="half" idx="2"/>
+          </p:nvPr>
+        </p:nvSpPr>
+        <p:spPr/>
+        <p:txBody>
+          <a:bodyPr/>
+          <a:lstStyle/>
+          <a:p>
+            <a:endParaRPr lang="en-US" dirty="0"/>
+          </a:p>
+        </p:txBody>
+      </p:sp>
+    </p:spTree>
+    <p:extLst>
+      <p:ext uri="{BB962C8B-B14F-4D97-AF65-F5344CB8AC3E}">
+        <p14:creationId xmlns:p14="http://schemas.microsoft.com/office/powerpoint/2010/main" val="2413118517"/>
+      </p:ext>
+    </p:extLst>
+  </p:cSld>
+  <p:clrMapOvr>
+    <a:masterClrMapping/>
+  </p:clrMapOvr>
+</p:sld>
+</file>
+
+<file path=ppt/slides/slide11.xml><?xml version="1.0" encoding="utf-8"?>
+<p:sld xmlns:a="http://schemas.openxmlformats.org/drawingml/2006/main" xmlns:r="http://schemas.openxmlformats.org/officeDocument/2006/relationships" xmlns:p="http://schemas.openxmlformats.org/presentationml/2006/main">
+  <p:cSld>
+    <p:spTree>
+      <p:nvGrpSpPr>
+        <p:cNvPr id="1" name=""/>
+        <p:cNvGrpSpPr/>
+        <p:nvPr/>
+      </p:nvGrpSpPr>
+      <p:grpSpPr>
+        <a:xfrm>
+          <a:off x="0" y="0"/>
+          <a:ext cx="0" cy="0"/>
+          <a:chOff x="0" y="0"/>
+          <a:chExt cx="0" cy="0"/>
+        </a:xfrm>
+      </p:grpSpPr>
+      <p:sp>
+        <p:nvSpPr>
+          <p:cNvPr id="4" name="Title 3"/>
+          <p:cNvSpPr>
+            <a:spLocks noGrp="1"/>
+          </p:cNvSpPr>
+          <p:nvPr>
+            <p:ph type="title"/>
+          </p:nvPr>
+        </p:nvSpPr>
+        <p:spPr/>
+        <p:txBody>
+          <a:bodyPr anchor="ctr"/>
+          <a:lstStyle/>
+          <a:p>
+            <a:pPr algn="ctr"/>
+            <a:r>
+              <a:rPr lang="en-US" dirty="0" smtClean="0"/>
+              <a:t>Still to Come</a:t>
+            </a:r>
+            <a:endParaRPr lang="en-US" dirty="0"/>
+          </a:p>
+        </p:txBody>
+      </p:sp>
+      <p:sp>
+        <p:nvSpPr>
+          <p:cNvPr id="5" name="Content Placeholder 4"/>
+          <p:cNvSpPr>
+            <a:spLocks noGrp="1"/>
+          </p:cNvSpPr>
+          <p:nvPr>
+            <p:ph idx="1"/>
+          </p:nvPr>
+        </p:nvSpPr>
+        <p:spPr/>
+        <p:txBody>
+          <a:bodyPr/>
+          <a:lstStyle/>
+          <a:p>
+            <a:endParaRPr lang="en-US"/>
+          </a:p>
+        </p:txBody>
+      </p:sp>
+      <p:sp>
+        <p:nvSpPr>
+          <p:cNvPr id="6" name="Text Placeholder 5"/>
+          <p:cNvSpPr>
+            <a:spLocks noGrp="1"/>
+          </p:cNvSpPr>
+          <p:nvPr>
+            <p:ph type="body" sz="half" idx="2"/>
+          </p:nvPr>
+        </p:nvSpPr>
+        <p:spPr/>
+        <p:txBody>
+          <a:bodyPr/>
+          <a:lstStyle/>
+          <a:p>
+            <a:endParaRPr lang="en-US" dirty="0"/>
+          </a:p>
+        </p:txBody>
+      </p:sp>
+    </p:spTree>
+    <p:extLst>
+      <p:ext uri="{BB962C8B-B14F-4D97-AF65-F5344CB8AC3E}">
+        <p14:creationId xmlns:p14="http://schemas.microsoft.com/office/powerpoint/2010/main" val="2140383251"/>
+      </p:ext>
+    </p:extLst>
+  </p:cSld>
+  <p:clrMapOvr>
+    <a:masterClrMapping/>
+  </p:clrMapOvr>
+</p:sld>
+</file>
+
 <file path=ppt/slides/slide2.xml><?xml version="1.0" encoding="utf-8"?>
 <p:sld xmlns:a="http://schemas.openxmlformats.org/drawingml/2006/main" xmlns:r="http://schemas.openxmlformats.org/officeDocument/2006/relationships" xmlns:p="http://schemas.openxmlformats.org/presentationml/2006/main">
   <p:cSld>
@@ -6569,19 +6759,15 @@
           <a:p>
             <a:pPr algn="ctr"/>
             <a:r>
-              <a:rPr lang="en-US" dirty="0" err="1" smtClean="0"/>
-              <a:t>MeerkroDB</a:t>
-            </a:r>
-            <a:r>
               <a:rPr lang="en-US" dirty="0" smtClean="0"/>
-              <a:t>:</a:t>
+              <a:t>Bootstrap:</a:t>
             </a:r>
             <a:br>
               <a:rPr lang="en-US" dirty="0" smtClean="0"/>
             </a:br>
             <a:r>
               <a:rPr lang="en-US" dirty="0" smtClean="0"/>
-              <a:t>Transactions</a:t>
+              <a:t>Columniation</a:t>
             </a:r>
             <a:endParaRPr lang="en-US" dirty="0"/>
           </a:p>
@@ -6628,7 +6814,7 @@
     </p:spTree>
     <p:extLst>
       <p:ext uri="{BB962C8B-B14F-4D97-AF65-F5344CB8AC3E}">
-        <p14:creationId xmlns:p14="http://schemas.microsoft.com/office/powerpoint/2010/main" val="411419055"/>
+        <p14:creationId xmlns:p14="http://schemas.microsoft.com/office/powerpoint/2010/main" val="1438647864"/>
       </p:ext>
     </p:extLst>
   </p:cSld>
@@ -6672,15 +6858,12 @@
           <a:p>
             <a:pPr algn="ctr"/>
             <a:r>
+              <a:rPr lang="en-US" smtClean="0"/>
+              <a:t>Font </a:t>
+            </a:r>
+            <a:r>
               <a:rPr lang="en-US" dirty="0" smtClean="0"/>
-              <a:t>Bootstrap:</a:t>
-            </a:r>
-            <a:br>
-              <a:rPr lang="en-US" dirty="0" smtClean="0"/>
-            </a:br>
-            <a:r>
-              <a:rPr lang="en-US" dirty="0" smtClean="0"/>
-              <a:t>Columniation</a:t>
+              <a:t>Awesome</a:t>
             </a:r>
             <a:endParaRPr lang="en-US" dirty="0"/>
           </a:p>
@@ -6727,7 +6910,7 @@
     </p:spTree>
     <p:extLst>
       <p:ext uri="{BB962C8B-B14F-4D97-AF65-F5344CB8AC3E}">
-        <p14:creationId xmlns:p14="http://schemas.microsoft.com/office/powerpoint/2010/main" val="1438647864"/>
+        <p14:creationId xmlns:p14="http://schemas.microsoft.com/office/powerpoint/2010/main" val="3814727283"/>
       </p:ext>
     </p:extLst>
   </p:cSld>
@@ -6771,12 +6954,8 @@
           <a:p>
             <a:pPr algn="ctr"/>
             <a:r>
-              <a:rPr lang="en-US" smtClean="0"/>
-              <a:t>Font </a:t>
-            </a:r>
-            <a:r>
               <a:rPr lang="en-US" dirty="0" smtClean="0"/>
-              <a:t>Awesome</a:t>
+              <a:t>Pagination</a:t>
             </a:r>
             <a:endParaRPr lang="en-US" dirty="0"/>
           </a:p>
@@ -6823,7 +7002,7 @@
     </p:spTree>
     <p:extLst>
       <p:ext uri="{BB962C8B-B14F-4D97-AF65-F5344CB8AC3E}">
-        <p14:creationId xmlns:p14="http://schemas.microsoft.com/office/powerpoint/2010/main" val="3814727283"/>
+        <p14:creationId xmlns:p14="http://schemas.microsoft.com/office/powerpoint/2010/main" val="2413118517"/>
       </p:ext>
     </p:extLst>
   </p:cSld>
@@ -7092,7 +7271,7 @@
   <a:extraClrSchemeLst/>
   <a:extLst>
     <a:ext uri="{05A4C25C-085E-4340-85A3-A5531E510DB2}">
-      <thm15:themeFamily xmlns:thm15="http://schemas.microsoft.com/office/thememl/2012/main" name="Ion" id="{B8441ADB-2E43-4AF7-B97A-BD870242C6A8}" vid="{BACC050B-8757-4460-95D8-E37B46A6B421}"/>
+      <thm15:themeFamily xmlns:thm15="http://schemas.microsoft.com/office/thememl/2012/main" xmlns="" name="Ion" id="{B8441ADB-2E43-4AF7-B97A-BD870242C6A8}" vid="{BACC050B-8757-4460-95D8-E37B46A6B421}"/>
     </a:ext>
   </a:extLst>
 </a:theme>

--- a/Project Presentation.pptx
+++ b/Project Presentation.pptx
@@ -10,12 +10,10 @@
     <p:sldId id="258" r:id="rId4"/>
     <p:sldId id="259" r:id="rId5"/>
     <p:sldId id="260" r:id="rId6"/>
-    <p:sldId id="261" r:id="rId7"/>
-    <p:sldId id="263" r:id="rId8"/>
-    <p:sldId id="264" r:id="rId9"/>
-    <p:sldId id="265" r:id="rId10"/>
-    <p:sldId id="266" r:id="rId11"/>
-    <p:sldId id="267" r:id="rId12"/>
+    <p:sldId id="263" r:id="rId7"/>
+    <p:sldId id="265" r:id="rId8"/>
+    <p:sldId id="266" r:id="rId9"/>
+    <p:sldId id="267" r:id="rId10"/>
   </p:sldIdLst>
   <p:sldSz cx="12192000" cy="6858000"/>
   <p:notesSz cx="6858000" cy="9144000"/>
@@ -300,7 +298,7 @@
           <a:p>
             <a:fld id="{4AAD347D-5ACD-4C99-B74B-A9C85AD731AF}" type="datetimeFigureOut">
               <a:rPr lang="en-US" dirty="0"/>
-              <a:t>1/23/2019</a:t>
+              <a:t>1/24/2019</a:t>
             </a:fld>
             <a:endParaRPr lang="en-US" dirty="0"/>
           </a:p>
@@ -570,7 +568,7 @@
           <a:p>
             <a:fld id="{4509A250-FF31-4206-8172-F9D3106AACB1}" type="datetimeFigureOut">
               <a:rPr lang="en-US" dirty="0"/>
-              <a:t>1/23/2019</a:t>
+              <a:t>1/24/2019</a:t>
             </a:fld>
             <a:endParaRPr lang="en-US" dirty="0"/>
           </a:p>
@@ -759,7 +757,7 @@
           <a:p>
             <a:fld id="{4509A250-FF31-4206-8172-F9D3106AACB1}" type="datetimeFigureOut">
               <a:rPr lang="en-US" dirty="0"/>
-              <a:t>1/23/2019</a:t>
+              <a:t>1/24/2019</a:t>
             </a:fld>
             <a:endParaRPr lang="en-US" dirty="0"/>
           </a:p>
@@ -1022,7 +1020,7 @@
           <a:p>
             <a:fld id="{4509A250-FF31-4206-8172-F9D3106AACB1}" type="datetimeFigureOut">
               <a:rPr lang="en-US" dirty="0"/>
-              <a:t>1/23/2019</a:t>
+              <a:t>1/24/2019</a:t>
             </a:fld>
             <a:endParaRPr lang="en-US" dirty="0"/>
           </a:p>
@@ -1349,7 +1347,7 @@
           <a:p>
             <a:fld id="{4509A250-FF31-4206-8172-F9D3106AACB1}" type="datetimeFigureOut">
               <a:rPr lang="en-US" dirty="0"/>
-              <a:t>1/23/2019</a:t>
+              <a:t>1/24/2019</a:t>
             </a:fld>
             <a:endParaRPr lang="en-US" dirty="0"/>
           </a:p>
@@ -1954,7 +1952,7 @@
           <a:p>
             <a:fld id="{4509A250-FF31-4206-8172-F9D3106AACB1}" type="datetimeFigureOut">
               <a:rPr lang="en-US" dirty="0"/>
-              <a:t>1/23/2019</a:t>
+              <a:t>1/24/2019</a:t>
             </a:fld>
             <a:endParaRPr lang="en-US" dirty="0"/>
           </a:p>
@@ -2796,7 +2794,7 @@
           <a:p>
             <a:fld id="{4509A250-FF31-4206-8172-F9D3106AACB1}" type="datetimeFigureOut">
               <a:rPr lang="en-US" dirty="0"/>
-              <a:t>1/23/2019</a:t>
+              <a:t>1/24/2019</a:t>
             </a:fld>
             <a:endParaRPr lang="en-US" dirty="0"/>
           </a:p>
@@ -2961,7 +2959,7 @@
           <a:p>
             <a:fld id="{4509A250-FF31-4206-8172-F9D3106AACB1}" type="datetimeFigureOut">
               <a:rPr lang="en-US" dirty="0"/>
-              <a:t>1/23/2019</a:t>
+              <a:t>1/24/2019</a:t>
             </a:fld>
             <a:endParaRPr lang="en-US" dirty="0"/>
           </a:p>
@@ -3136,7 +3134,7 @@
           <a:p>
             <a:fld id="{4509A250-FF31-4206-8172-F9D3106AACB1}" type="datetimeFigureOut">
               <a:rPr lang="en-US" dirty="0"/>
-              <a:t>1/23/2019</a:t>
+              <a:t>1/24/2019</a:t>
             </a:fld>
             <a:endParaRPr lang="en-US" dirty="0"/>
           </a:p>
@@ -3301,7 +3299,7 @@
           <a:p>
             <a:fld id="{4509A250-FF31-4206-8172-F9D3106AACB1}" type="datetimeFigureOut">
               <a:rPr lang="en-US" dirty="0"/>
-              <a:t>1/23/2019</a:t>
+              <a:t>1/24/2019</a:t>
             </a:fld>
             <a:endParaRPr lang="en-US" dirty="0"/>
           </a:p>
@@ -3540,7 +3538,7 @@
           <a:p>
             <a:fld id="{4509A250-FF31-4206-8172-F9D3106AACB1}" type="datetimeFigureOut">
               <a:rPr lang="en-US" dirty="0"/>
-              <a:t>1/23/2019</a:t>
+              <a:t>1/24/2019</a:t>
             </a:fld>
             <a:endParaRPr lang="en-US" dirty="0"/>
           </a:p>
@@ -3827,7 +3825,7 @@
           <a:p>
             <a:fld id="{4509A250-FF31-4206-8172-F9D3106AACB1}" type="datetimeFigureOut">
               <a:rPr lang="en-US" dirty="0"/>
-              <a:t>1/23/2019</a:t>
+              <a:t>1/24/2019</a:t>
             </a:fld>
             <a:endParaRPr lang="en-US" dirty="0"/>
           </a:p>
@@ -4260,7 +4258,7 @@
           <a:p>
             <a:fld id="{4509A250-FF31-4206-8172-F9D3106AACB1}" type="datetimeFigureOut">
               <a:rPr lang="en-US" dirty="0"/>
-              <a:t>1/23/2019</a:t>
+              <a:t>1/24/2019</a:t>
             </a:fld>
             <a:endParaRPr lang="en-US" dirty="0"/>
           </a:p>
@@ -4373,7 +4371,7 @@
           <a:p>
             <a:fld id="{4509A250-FF31-4206-8172-F9D3106AACB1}" type="datetimeFigureOut">
               <a:rPr lang="en-US" dirty="0"/>
-              <a:t>1/23/2019</a:t>
+              <a:t>1/24/2019</a:t>
             </a:fld>
             <a:endParaRPr lang="en-US" dirty="0"/>
           </a:p>
@@ -4463,7 +4461,7 @@
           <a:p>
             <a:fld id="{4509A250-FF31-4206-8172-F9D3106AACB1}" type="datetimeFigureOut">
               <a:rPr lang="en-US" dirty="0"/>
-              <a:t>1/23/2019</a:t>
+              <a:t>1/24/2019</a:t>
             </a:fld>
             <a:endParaRPr lang="en-US" dirty="0"/>
           </a:p>
@@ -4737,7 +4735,7 @@
           <a:p>
             <a:fld id="{4509A250-FF31-4206-8172-F9D3106AACB1}" type="datetimeFigureOut">
               <a:rPr lang="en-US" dirty="0"/>
-              <a:t>1/23/2019</a:t>
+              <a:t>1/24/2019</a:t>
             </a:fld>
             <a:endParaRPr lang="en-US" dirty="0"/>
           </a:p>
@@ -5007,7 +5005,7 @@
           <a:p>
             <a:fld id="{4509A250-FF31-4206-8172-F9D3106AACB1}" type="datetimeFigureOut">
               <a:rPr lang="en-US" dirty="0"/>
-              <a:t>1/23/2019</a:t>
+              <a:t>1/24/2019</a:t>
             </a:fld>
             <a:endParaRPr lang="en-US" dirty="0"/>
           </a:p>
@@ -5431,7 +5429,7 @@
           <a:p>
             <a:fld id="{4509A250-FF31-4206-8172-F9D3106AACB1}" type="datetimeFigureOut">
               <a:rPr lang="en-US" dirty="0"/>
-              <a:t>1/23/2019</a:t>
+              <a:t>1/24/2019</a:t>
             </a:fld>
             <a:endParaRPr lang="en-US" dirty="0"/>
           </a:p>
@@ -6042,194 +6040,6 @@
 </p:sld>
 </file>
 
-<file path=ppt/slides/slide10.xml><?xml version="1.0" encoding="utf-8"?>
-<p:sld xmlns:a="http://schemas.openxmlformats.org/drawingml/2006/main" xmlns:r="http://schemas.openxmlformats.org/officeDocument/2006/relationships" xmlns:p="http://schemas.openxmlformats.org/presentationml/2006/main">
-  <p:cSld>
-    <p:spTree>
-      <p:nvGrpSpPr>
-        <p:cNvPr id="1" name=""/>
-        <p:cNvGrpSpPr/>
-        <p:nvPr/>
-      </p:nvGrpSpPr>
-      <p:grpSpPr>
-        <a:xfrm>
-          <a:off x="0" y="0"/>
-          <a:ext cx="0" cy="0"/>
-          <a:chOff x="0" y="0"/>
-          <a:chExt cx="0" cy="0"/>
-        </a:xfrm>
-      </p:grpSpPr>
-      <p:sp>
-        <p:nvSpPr>
-          <p:cNvPr id="4" name="Title 3"/>
-          <p:cNvSpPr>
-            <a:spLocks noGrp="1"/>
-          </p:cNvSpPr>
-          <p:nvPr>
-            <p:ph type="title"/>
-          </p:nvPr>
-        </p:nvSpPr>
-        <p:spPr/>
-        <p:txBody>
-          <a:bodyPr anchor="ctr"/>
-          <a:lstStyle/>
-          <a:p>
-            <a:pPr algn="ctr"/>
-            <a:r>
-              <a:rPr lang="en-US" dirty="0" err="1" smtClean="0"/>
-              <a:t>DeweyDecimal</a:t>
-            </a:r>
-            <a:r>
-              <a:rPr lang="en-US" dirty="0" err="1" smtClean="0"/>
-              <a:t>Class</a:t>
-            </a:r>
-            <a:endParaRPr lang="en-US" dirty="0"/>
-          </a:p>
-        </p:txBody>
-      </p:sp>
-      <p:sp>
-        <p:nvSpPr>
-          <p:cNvPr id="5" name="Content Placeholder 4"/>
-          <p:cNvSpPr>
-            <a:spLocks noGrp="1"/>
-          </p:cNvSpPr>
-          <p:nvPr>
-            <p:ph idx="1"/>
-          </p:nvPr>
-        </p:nvSpPr>
-        <p:spPr/>
-        <p:txBody>
-          <a:bodyPr/>
-          <a:lstStyle/>
-          <a:p>
-            <a:endParaRPr lang="en-US"/>
-          </a:p>
-        </p:txBody>
-      </p:sp>
-      <p:sp>
-        <p:nvSpPr>
-          <p:cNvPr id="6" name="Text Placeholder 5"/>
-          <p:cNvSpPr>
-            <a:spLocks noGrp="1"/>
-          </p:cNvSpPr>
-          <p:nvPr>
-            <p:ph type="body" sz="half" idx="2"/>
-          </p:nvPr>
-        </p:nvSpPr>
-        <p:spPr/>
-        <p:txBody>
-          <a:bodyPr/>
-          <a:lstStyle/>
-          <a:p>
-            <a:endParaRPr lang="en-US" dirty="0"/>
-          </a:p>
-        </p:txBody>
-      </p:sp>
-    </p:spTree>
-    <p:extLst>
-      <p:ext uri="{BB962C8B-B14F-4D97-AF65-F5344CB8AC3E}">
-        <p14:creationId xmlns:p14="http://schemas.microsoft.com/office/powerpoint/2010/main" val="2413118517"/>
-      </p:ext>
-    </p:extLst>
-  </p:cSld>
-  <p:clrMapOvr>
-    <a:masterClrMapping/>
-  </p:clrMapOvr>
-</p:sld>
-</file>
-
-<file path=ppt/slides/slide11.xml><?xml version="1.0" encoding="utf-8"?>
-<p:sld xmlns:a="http://schemas.openxmlformats.org/drawingml/2006/main" xmlns:r="http://schemas.openxmlformats.org/officeDocument/2006/relationships" xmlns:p="http://schemas.openxmlformats.org/presentationml/2006/main">
-  <p:cSld>
-    <p:spTree>
-      <p:nvGrpSpPr>
-        <p:cNvPr id="1" name=""/>
-        <p:cNvGrpSpPr/>
-        <p:nvPr/>
-      </p:nvGrpSpPr>
-      <p:grpSpPr>
-        <a:xfrm>
-          <a:off x="0" y="0"/>
-          <a:ext cx="0" cy="0"/>
-          <a:chOff x="0" y="0"/>
-          <a:chExt cx="0" cy="0"/>
-        </a:xfrm>
-      </p:grpSpPr>
-      <p:sp>
-        <p:nvSpPr>
-          <p:cNvPr id="4" name="Title 3"/>
-          <p:cNvSpPr>
-            <a:spLocks noGrp="1"/>
-          </p:cNvSpPr>
-          <p:nvPr>
-            <p:ph type="title"/>
-          </p:nvPr>
-        </p:nvSpPr>
-        <p:spPr/>
-        <p:txBody>
-          <a:bodyPr anchor="ctr"/>
-          <a:lstStyle/>
-          <a:p>
-            <a:pPr algn="ctr"/>
-            <a:r>
-              <a:rPr lang="en-US" dirty="0" smtClean="0"/>
-              <a:t>Still to Come</a:t>
-            </a:r>
-            <a:endParaRPr lang="en-US" dirty="0"/>
-          </a:p>
-        </p:txBody>
-      </p:sp>
-      <p:sp>
-        <p:nvSpPr>
-          <p:cNvPr id="5" name="Content Placeholder 4"/>
-          <p:cNvSpPr>
-            <a:spLocks noGrp="1"/>
-          </p:cNvSpPr>
-          <p:nvPr>
-            <p:ph idx="1"/>
-          </p:nvPr>
-        </p:nvSpPr>
-        <p:spPr/>
-        <p:txBody>
-          <a:bodyPr/>
-          <a:lstStyle/>
-          <a:p>
-            <a:endParaRPr lang="en-US"/>
-          </a:p>
-        </p:txBody>
-      </p:sp>
-      <p:sp>
-        <p:nvSpPr>
-          <p:cNvPr id="6" name="Text Placeholder 5"/>
-          <p:cNvSpPr>
-            <a:spLocks noGrp="1"/>
-          </p:cNvSpPr>
-          <p:nvPr>
-            <p:ph type="body" sz="half" idx="2"/>
-          </p:nvPr>
-        </p:nvSpPr>
-        <p:spPr/>
-        <p:txBody>
-          <a:bodyPr/>
-          <a:lstStyle/>
-          <a:p>
-            <a:endParaRPr lang="en-US" dirty="0"/>
-          </a:p>
-        </p:txBody>
-      </p:sp>
-    </p:spTree>
-    <p:extLst>
-      <p:ext uri="{BB962C8B-B14F-4D97-AF65-F5344CB8AC3E}">
-        <p14:creationId xmlns:p14="http://schemas.microsoft.com/office/powerpoint/2010/main" val="2140383251"/>
-      </p:ext>
-    </p:extLst>
-  </p:cSld>
-  <p:clrMapOvr>
-    <a:masterClrMapping/>
-  </p:clrMapOvr>
-</p:sld>
-</file>
-
 <file path=ppt/slides/slide2.xml><?xml version="1.0" encoding="utf-8"?>
 <p:sld xmlns:a="http://schemas.openxmlformats.org/drawingml/2006/main" xmlns:r="http://schemas.openxmlformats.org/officeDocument/2006/relationships" xmlns:p="http://schemas.openxmlformats.org/presentationml/2006/main">
   <p:cSld>
@@ -6257,7 +6067,12 @@
             <p:ph type="title"/>
           </p:nvPr>
         </p:nvSpPr>
-        <p:spPr/>
+        <p:spPr>
+          <a:xfrm>
+            <a:off x="1154954" y="1447800"/>
+            <a:ext cx="3401064" cy="1447800"/>
+          </a:xfrm>
+        </p:spPr>
         <p:txBody>
           <a:bodyPr anchor="ctr"/>
           <a:lstStyle/>
@@ -6278,25 +6093,35 @@
           </a:p>
         </p:txBody>
       </p:sp>
-      <p:sp>
-        <p:nvSpPr>
-          <p:cNvPr id="5" name="Content Placeholder 4"/>
-          <p:cNvSpPr>
-            <a:spLocks noGrp="1"/>
-          </p:cNvSpPr>
+      <p:pic>
+        <p:nvPicPr>
+          <p:cNvPr id="2" name="Content Placeholder 1"/>
+          <p:cNvPicPr>
+            <a:picLocks noGrp="1" noChangeAspect="1"/>
+          </p:cNvPicPr>
           <p:nvPr>
             <p:ph idx="1"/>
           </p:nvPr>
-        </p:nvSpPr>
-        <p:spPr/>
-        <p:txBody>
-          <a:bodyPr/>
-          <a:lstStyle/>
-          <a:p>
-            <a:endParaRPr lang="en-US"/>
-          </a:p>
-        </p:txBody>
-      </p:sp>
+        </p:nvPicPr>
+        <p:blipFill>
+          <a:blip r:embed="rId2">
+            <a:extLst>
+              <a:ext uri="{28A0092B-C50C-407E-A947-70E740481C1C}">
+                <a14:useLocalDpi xmlns:a14="http://schemas.microsoft.com/office/drawing/2010/main" val="0"/>
+              </a:ext>
+            </a:extLst>
+          </a:blip>
+          <a:stretch>
+            <a:fillRect/>
+          </a:stretch>
+        </p:blipFill>
+        <p:spPr>
+          <a:xfrm>
+            <a:off x="5527152" y="473530"/>
+            <a:ext cx="4857819" cy="5731328"/>
+          </a:xfrm>
+        </p:spPr>
+      </p:pic>
       <p:sp>
         <p:nvSpPr>
           <p:cNvPr id="6" name="Text Placeholder 5"/>
@@ -6311,6 +6136,24 @@
         <p:txBody>
           <a:bodyPr/>
           <a:lstStyle/>
+          <a:p>
+            <a:r>
+              <a:rPr lang="en-US" dirty="0" smtClean="0"/>
+              <a:t>Extra columns for sorting and categorization </a:t>
+            </a:r>
+          </a:p>
+          <a:p>
+            <a:endParaRPr lang="en-US" dirty="0"/>
+          </a:p>
+          <a:p>
+            <a:r>
+              <a:rPr lang="en-US" dirty="0" smtClean="0"/>
+              <a:t>Blob image storage*</a:t>
+            </a:r>
+          </a:p>
+          <a:p>
+            <a:endParaRPr lang="en-US" dirty="0"/>
+          </a:p>
           <a:p>
             <a:endParaRPr lang="en-US" dirty="0"/>
           </a:p>
@@ -6379,42 +6222,74 @@
       </p:sp>
       <p:sp>
         <p:nvSpPr>
-          <p:cNvPr id="5" name="Content Placeholder 4"/>
-          <p:cNvSpPr>
-            <a:spLocks noGrp="1"/>
-          </p:cNvSpPr>
+          <p:cNvPr id="6" name="Text Placeholder 5"/>
+          <p:cNvSpPr>
+            <a:spLocks noGrp="1"/>
+          </p:cNvSpPr>
+          <p:nvPr>
+            <p:ph type="body" sz="half" idx="2"/>
+          </p:nvPr>
+        </p:nvSpPr>
+        <p:spPr/>
+        <p:txBody>
+          <a:bodyPr/>
+          <a:lstStyle/>
+          <a:p>
+            <a:r>
+              <a:rPr lang="en-US" dirty="0" smtClean="0"/>
+              <a:t>Persistent cart for registered users</a:t>
+            </a:r>
+          </a:p>
+          <a:p>
+            <a:endParaRPr lang="en-US" dirty="0"/>
+          </a:p>
+          <a:p>
+            <a:r>
+              <a:rPr lang="en-US" dirty="0" smtClean="0"/>
+              <a:t>Transitory cart for unregistered users</a:t>
+            </a:r>
+          </a:p>
+          <a:p>
+            <a:endParaRPr lang="en-US" dirty="0"/>
+          </a:p>
+          <a:p>
+            <a:r>
+              <a:rPr lang="en-US" dirty="0" smtClean="0"/>
+              <a:t>Items will reflect seller edits up until time of sale</a:t>
+            </a:r>
+            <a:endParaRPr lang="en-US" dirty="0"/>
+          </a:p>
+        </p:txBody>
+      </p:sp>
+      <p:pic>
+        <p:nvPicPr>
+          <p:cNvPr id="7" name="Content Placeholder 6"/>
+          <p:cNvPicPr>
+            <a:picLocks noGrp="1" noChangeAspect="1"/>
+          </p:cNvPicPr>
           <p:nvPr>
             <p:ph idx="1"/>
           </p:nvPr>
-        </p:nvSpPr>
-        <p:spPr/>
-        <p:txBody>
-          <a:bodyPr/>
-          <a:lstStyle/>
-          <a:p>
-            <a:endParaRPr lang="en-US"/>
-          </a:p>
-        </p:txBody>
-      </p:sp>
-      <p:sp>
-        <p:nvSpPr>
-          <p:cNvPr id="6" name="Text Placeholder 5"/>
-          <p:cNvSpPr>
-            <a:spLocks noGrp="1"/>
-          </p:cNvSpPr>
-          <p:nvPr>
-            <p:ph type="body" sz="half" idx="2"/>
-          </p:nvPr>
-        </p:nvSpPr>
-        <p:spPr/>
-        <p:txBody>
-          <a:bodyPr/>
-          <a:lstStyle/>
-          <a:p>
-            <a:endParaRPr lang="en-US" dirty="0"/>
-          </a:p>
-        </p:txBody>
-      </p:sp>
+        </p:nvPicPr>
+        <p:blipFill>
+          <a:blip r:embed="rId2">
+            <a:extLst>
+              <a:ext uri="{28A0092B-C50C-407E-A947-70E740481C1C}">
+                <a14:useLocalDpi xmlns:a14="http://schemas.microsoft.com/office/drawing/2010/main" val="0"/>
+              </a:ext>
+            </a:extLst>
+          </a:blip>
+          <a:stretch>
+            <a:fillRect/>
+          </a:stretch>
+        </p:blipFill>
+        <p:spPr>
+          <a:xfrm>
+            <a:off x="5858528" y="1820635"/>
+            <a:ext cx="4956240" cy="3366504"/>
+          </a:xfrm>
+        </p:spPr>
+      </p:pic>
     </p:spTree>
     <p:extLst>
       <p:ext uri="{BB962C8B-B14F-4D97-AF65-F5344CB8AC3E}">
@@ -6661,14 +6536,14 @@
             <a:pPr algn="ctr"/>
             <a:r>
               <a:rPr lang="en-US" dirty="0" smtClean="0"/>
-              <a:t>Database Structure:</a:t>
+              <a:t>Bootstrap:</a:t>
             </a:r>
             <a:br>
               <a:rPr lang="en-US" dirty="0" smtClean="0"/>
             </a:br>
             <a:r>
               <a:rPr lang="en-US" dirty="0" smtClean="0"/>
-              <a:t>Items</a:t>
+              <a:t>Columniation</a:t>
             </a:r>
             <a:endParaRPr lang="en-US" dirty="0"/>
           </a:p>
@@ -6684,12 +6559,166 @@
             <p:ph idx="1"/>
           </p:nvPr>
         </p:nvSpPr>
-        <p:spPr/>
-        <p:txBody>
-          <a:bodyPr/>
-          <a:lstStyle/>
-          <a:p>
-            <a:endParaRPr lang="en-US"/>
+        <p:spPr>
+          <a:xfrm>
+            <a:off x="4784616" y="360219"/>
+            <a:ext cx="6446802" cy="6012872"/>
+          </a:xfrm>
+        </p:spPr>
+        <p:txBody>
+          <a:bodyPr>
+            <a:normAutofit fontScale="92500" lnSpcReduction="10000"/>
+          </a:bodyPr>
+          <a:lstStyle/>
+          <a:p>
+            <a:pPr marL="0" indent="0">
+              <a:buNone/>
+            </a:pPr>
+            <a:endParaRPr lang="en-US" sz="2400" dirty="0"/>
+          </a:p>
+          <a:p>
+            <a:pPr marL="0" indent="0">
+              <a:buNone/>
+            </a:pPr>
+            <a:r>
+              <a:rPr lang="en-US" sz="2400" dirty="0" smtClean="0"/>
+              <a:t>&lt;</a:t>
+            </a:r>
+            <a:r>
+              <a:rPr lang="en-US" sz="2400" dirty="0"/>
+              <a:t>div class="row"&gt;</a:t>
+            </a:r>
+          </a:p>
+          <a:p>
+            <a:pPr marL="0" indent="0">
+              <a:buNone/>
+            </a:pPr>
+            <a:r>
+              <a:rPr lang="en-US" sz="2400" dirty="0" smtClean="0"/>
+              <a:t>	&lt;</a:t>
+            </a:r>
+            <a:r>
+              <a:rPr lang="en-US" sz="2400" dirty="0"/>
+              <a:t>div class="col-sm-4"&gt;</a:t>
+            </a:r>
+          </a:p>
+          <a:p>
+            <a:pPr marL="0" lvl="3" indent="0">
+              <a:buNone/>
+            </a:pPr>
+            <a:r>
+              <a:rPr lang="en-US" sz="2400" dirty="0" smtClean="0"/>
+              <a:t>		&lt;!-- </a:t>
+            </a:r>
+            <a:r>
+              <a:rPr lang="en-US" sz="2400" dirty="0"/>
+              <a:t>--&gt;</a:t>
+            </a:r>
+          </a:p>
+          <a:p>
+            <a:pPr marL="0" indent="0">
+              <a:buNone/>
+            </a:pPr>
+            <a:r>
+              <a:rPr lang="en-US" sz="2400" dirty="0" smtClean="0"/>
+              <a:t>	&lt;/</a:t>
+            </a:r>
+            <a:r>
+              <a:rPr lang="en-US" sz="2400" dirty="0"/>
+              <a:t>div</a:t>
+            </a:r>
+            <a:r>
+              <a:rPr lang="en-US" sz="2400" dirty="0" smtClean="0"/>
+              <a:t>&gt;</a:t>
+            </a:r>
+          </a:p>
+          <a:p>
+            <a:pPr marL="0" indent="0">
+              <a:buNone/>
+            </a:pPr>
+            <a:endParaRPr lang="en-US" sz="2400" dirty="0"/>
+          </a:p>
+          <a:p>
+            <a:pPr marL="0" indent="0">
+              <a:buNone/>
+            </a:pPr>
+            <a:r>
+              <a:rPr lang="en-US" sz="2400" dirty="0" smtClean="0"/>
+              <a:t>	&lt;</a:t>
+            </a:r>
+            <a:r>
+              <a:rPr lang="en-US" sz="2400" dirty="0"/>
+              <a:t>div class="col-sm-6"&gt;</a:t>
+            </a:r>
+          </a:p>
+          <a:p>
+            <a:pPr marL="0" lvl="3" indent="0">
+              <a:buNone/>
+            </a:pPr>
+            <a:r>
+              <a:rPr lang="en-US" sz="2400" dirty="0" smtClean="0"/>
+              <a:t>		&lt;!-- --&gt;</a:t>
+            </a:r>
+          </a:p>
+          <a:p>
+            <a:pPr marL="0" indent="0">
+              <a:buNone/>
+            </a:pPr>
+            <a:r>
+              <a:rPr lang="en-US" sz="2400" dirty="0" smtClean="0"/>
+              <a:t>	&lt;/div&gt;</a:t>
+            </a:r>
+          </a:p>
+          <a:p>
+            <a:pPr marL="0" indent="0">
+              <a:buNone/>
+            </a:pPr>
+            <a:endParaRPr lang="en-US" sz="2400" dirty="0" smtClean="0"/>
+          </a:p>
+          <a:p>
+            <a:pPr marL="0" indent="0">
+              <a:buNone/>
+            </a:pPr>
+            <a:r>
+              <a:rPr lang="en-US" sz="2400" dirty="0" smtClean="0"/>
+              <a:t>	&lt;div class="col-sm-4"&gt;</a:t>
+            </a:r>
+          </a:p>
+          <a:p>
+            <a:pPr marL="0" lvl="2" indent="0">
+              <a:buNone/>
+            </a:pPr>
+            <a:r>
+              <a:rPr lang="en-US" sz="2400" dirty="0" smtClean="0"/>
+              <a:t>		&lt;!-- --&gt;</a:t>
+            </a:r>
+          </a:p>
+          <a:p>
+            <a:pPr marL="0" indent="0">
+              <a:buNone/>
+            </a:pPr>
+            <a:r>
+              <a:rPr lang="en-US" sz="2400" dirty="0" smtClean="0"/>
+              <a:t>	&lt;/</a:t>
+            </a:r>
+            <a:r>
+              <a:rPr lang="en-US" sz="2400" dirty="0"/>
+              <a:t>div&gt;</a:t>
+            </a:r>
+          </a:p>
+          <a:p>
+            <a:pPr marL="0" indent="0">
+              <a:buNone/>
+            </a:pPr>
+            <a:r>
+              <a:rPr lang="en-US" sz="2400" dirty="0" smtClean="0"/>
+              <a:t>&lt;/</a:t>
+            </a:r>
+            <a:r>
+              <a:rPr lang="en-US" sz="2400" dirty="0"/>
+              <a:t>div&gt;</a:t>
+            </a:r>
+            <a:endParaRPr lang="en-US" sz="2400" dirty="0"/>
           </a:p>
         </p:txBody>
       </p:sp>
@@ -6715,7 +6744,7 @@
     </p:spTree>
     <p:extLst>
       <p:ext uri="{BB962C8B-B14F-4D97-AF65-F5344CB8AC3E}">
-        <p14:creationId xmlns:p14="http://schemas.microsoft.com/office/powerpoint/2010/main" val="2319216445"/>
+        <p14:creationId xmlns:p14="http://schemas.microsoft.com/office/powerpoint/2010/main" val="1438647864"/>
       </p:ext>
     </p:extLst>
   </p:cSld>
@@ -6760,14 +6789,7 @@
             <a:pPr algn="ctr"/>
             <a:r>
               <a:rPr lang="en-US" dirty="0" smtClean="0"/>
-              <a:t>Bootstrap:</a:t>
-            </a:r>
-            <a:br>
-              <a:rPr lang="en-US" dirty="0" smtClean="0"/>
-            </a:br>
-            <a:r>
-              <a:rPr lang="en-US" dirty="0" smtClean="0"/>
-              <a:t>Columniation</a:t>
+              <a:t>Pagination</a:t>
             </a:r>
             <a:endParaRPr lang="en-US" dirty="0"/>
           </a:p>
@@ -6814,7 +6836,7 @@
     </p:spTree>
     <p:extLst>
       <p:ext uri="{BB962C8B-B14F-4D97-AF65-F5344CB8AC3E}">
-        <p14:creationId xmlns:p14="http://schemas.microsoft.com/office/powerpoint/2010/main" val="1438647864"/>
+        <p14:creationId xmlns:p14="http://schemas.microsoft.com/office/powerpoint/2010/main" val="2413118517"/>
       </p:ext>
     </p:extLst>
   </p:cSld>
@@ -6858,12 +6880,8 @@
           <a:p>
             <a:pPr algn="ctr"/>
             <a:r>
-              <a:rPr lang="en-US" smtClean="0"/>
-              <a:t>Font </a:t>
-            </a:r>
-            <a:r>
-              <a:rPr lang="en-US" dirty="0" smtClean="0"/>
-              <a:t>Awesome</a:t>
+              <a:rPr lang="en-US" dirty="0" err="1" smtClean="0"/>
+              <a:t>DeweyDecimalClass</a:t>
             </a:r>
             <a:endParaRPr lang="en-US" dirty="0"/>
           </a:p>
@@ -6910,7 +6928,7 @@
     </p:spTree>
     <p:extLst>
       <p:ext uri="{BB962C8B-B14F-4D97-AF65-F5344CB8AC3E}">
-        <p14:creationId xmlns:p14="http://schemas.microsoft.com/office/powerpoint/2010/main" val="3814727283"/>
+        <p14:creationId xmlns:p14="http://schemas.microsoft.com/office/powerpoint/2010/main" val="2413118517"/>
       </p:ext>
     </p:extLst>
   </p:cSld>
@@ -6955,54 +6973,122 @@
             <a:pPr algn="ctr"/>
             <a:r>
               <a:rPr lang="en-US" dirty="0" smtClean="0"/>
-              <a:t>Pagination</a:t>
-            </a:r>
-            <a:endParaRPr lang="en-US" dirty="0"/>
-          </a:p>
-        </p:txBody>
-      </p:sp>
-      <p:sp>
-        <p:nvSpPr>
-          <p:cNvPr id="5" name="Content Placeholder 4"/>
-          <p:cNvSpPr>
-            <a:spLocks noGrp="1"/>
-          </p:cNvSpPr>
-          <p:nvPr>
-            <p:ph idx="1"/>
-          </p:nvPr>
-        </p:nvSpPr>
-        <p:spPr/>
-        <p:txBody>
-          <a:bodyPr/>
-          <a:lstStyle/>
-          <a:p>
-            <a:endParaRPr lang="en-US"/>
-          </a:p>
-        </p:txBody>
-      </p:sp>
-      <p:sp>
-        <p:nvSpPr>
-          <p:cNvPr id="6" name="Text Placeholder 5"/>
-          <p:cNvSpPr>
-            <a:spLocks noGrp="1"/>
-          </p:cNvSpPr>
-          <p:nvPr>
-            <p:ph type="body" sz="half" idx="2"/>
-          </p:nvPr>
-        </p:nvSpPr>
-        <p:spPr/>
-        <p:txBody>
-          <a:bodyPr/>
-          <a:lstStyle/>
-          <a:p>
-            <a:endParaRPr lang="en-US" dirty="0"/>
-          </a:p>
-        </p:txBody>
-      </p:sp>
+              <a:t>Still to Come</a:t>
+            </a:r>
+            <a:endParaRPr lang="en-US" dirty="0"/>
+          </a:p>
+        </p:txBody>
+      </p:sp>
+      <p:sp>
+        <p:nvSpPr>
+          <p:cNvPr id="3" name="Text Placeholder 2"/>
+          <p:cNvSpPr>
+            <a:spLocks noGrp="1"/>
+          </p:cNvSpPr>
+          <p:nvPr>
+            <p:ph type="body" idx="1"/>
+          </p:nvPr>
+        </p:nvSpPr>
+        <p:spPr/>
+        <p:txBody>
+          <a:bodyPr/>
+          <a:lstStyle/>
+          <a:p>
+            <a:pPr algn="ctr"/>
+            <a:r>
+              <a:rPr lang="en-CA" dirty="0" smtClean="0"/>
+              <a:t>Google Analytics</a:t>
+            </a:r>
+            <a:endParaRPr lang="en-CA" dirty="0"/>
+          </a:p>
+        </p:txBody>
+      </p:sp>
+      <p:pic>
+        <p:nvPicPr>
+          <p:cNvPr id="2" name="Content Placeholder 1"/>
+          <p:cNvPicPr>
+            <a:picLocks noGrp="1" noChangeAspect="1"/>
+          </p:cNvPicPr>
+          <p:nvPr>
+            <p:ph sz="half" idx="2"/>
+          </p:nvPr>
+        </p:nvPicPr>
+        <p:blipFill>
+          <a:blip r:embed="rId2">
+            <a:extLst>
+              <a:ext uri="{28A0092B-C50C-407E-A947-70E740481C1C}">
+                <a14:useLocalDpi xmlns:a14="http://schemas.microsoft.com/office/drawing/2010/main" val="0"/>
+              </a:ext>
+            </a:extLst>
+          </a:blip>
+          <a:stretch>
+            <a:fillRect/>
+          </a:stretch>
+        </p:blipFill>
+        <p:spPr>
+          <a:xfrm>
+            <a:off x="1872257" y="3085125"/>
+            <a:ext cx="2857899" cy="2600688"/>
+          </a:xfrm>
+        </p:spPr>
+      </p:pic>
+      <p:sp>
+        <p:nvSpPr>
+          <p:cNvPr id="7" name="Text Placeholder 6"/>
+          <p:cNvSpPr>
+            <a:spLocks noGrp="1"/>
+          </p:cNvSpPr>
+          <p:nvPr>
+            <p:ph type="body" sz="quarter" idx="3"/>
+          </p:nvPr>
+        </p:nvSpPr>
+        <p:spPr/>
+        <p:txBody>
+          <a:bodyPr/>
+          <a:lstStyle/>
+          <a:p>
+            <a:pPr algn="ctr"/>
+            <a:r>
+              <a:rPr lang="en-CA" dirty="0" smtClean="0"/>
+              <a:t>PayPal Checkout</a:t>
+            </a:r>
+            <a:endParaRPr lang="en-CA" dirty="0"/>
+          </a:p>
+        </p:txBody>
+      </p:sp>
+      <p:pic>
+        <p:nvPicPr>
+          <p:cNvPr id="9" name="Content Placeholder 8"/>
+          <p:cNvPicPr>
+            <a:picLocks noGrp="1" noChangeAspect="1"/>
+          </p:cNvPicPr>
+          <p:nvPr>
+            <p:ph sz="quarter" idx="4"/>
+          </p:nvPr>
+        </p:nvPicPr>
+        <p:blipFill>
+          <a:blip r:embed="rId3">
+            <a:extLst>
+              <a:ext uri="{28A0092B-C50C-407E-A947-70E740481C1C}">
+                <a14:useLocalDpi xmlns:a14="http://schemas.microsoft.com/office/drawing/2010/main" val="0"/>
+              </a:ext>
+            </a:extLst>
+          </a:blip>
+          <a:stretch>
+            <a:fillRect/>
+          </a:stretch>
+        </p:blipFill>
+        <p:spPr>
+          <a:xfrm>
+            <a:off x="6379081" y="3007924"/>
+            <a:ext cx="3180556" cy="1998402"/>
+          </a:xfrm>
+        </p:spPr>
+      </p:pic>
     </p:spTree>
     <p:extLst>
       <p:ext uri="{BB962C8B-B14F-4D97-AF65-F5344CB8AC3E}">
-        <p14:creationId xmlns:p14="http://schemas.microsoft.com/office/powerpoint/2010/main" val="2413118517"/>
+        <p14:creationId xmlns:p14="http://schemas.microsoft.com/office/powerpoint/2010/main" val="2140383251"/>
       </p:ext>
     </p:extLst>
   </p:cSld>
@@ -7271,7 +7357,7 @@
   <a:extraClrSchemeLst/>
   <a:extLst>
     <a:ext uri="{05A4C25C-085E-4340-85A3-A5531E510DB2}">
-      <thm15:themeFamily xmlns:thm15="http://schemas.microsoft.com/office/thememl/2012/main" xmlns="" name="Ion" id="{B8441ADB-2E43-4AF7-B97A-BD870242C6A8}" vid="{BACC050B-8757-4460-95D8-E37B46A6B421}"/>
+      <thm15:themeFamily xmlns="" xmlns:thm15="http://schemas.microsoft.com/office/thememl/2012/main" name="Ion" id="{B8441ADB-2E43-4AF7-B97A-BD870242C6A8}" vid="{BACC050B-8757-4460-95D8-E37B46A6B421}"/>
     </a:ext>
   </a:extLst>
 </a:theme>
